--- a/PPTs/755.pptx
+++ b/PPTs/755.pptx
@@ -24154,7 +24154,7 @@
           <a:p>
             <a:fld id="{CCB236BB-53DE-4462-8C4F-7698E6995948}" type="datetimeFigureOut">
               <a:rPr lang="en-IN" smtClean="0"/>
-              <a:t>27-01-2021</a:t>
+              <a:t>01-02-2021</a:t>
             </a:fld>
             <a:endParaRPr lang="en-IN" dirty="0"/>
           </a:p>
@@ -24354,7 +24354,7 @@
           <a:p>
             <a:fld id="{CCB236BB-53DE-4462-8C4F-7698E6995948}" type="datetimeFigureOut">
               <a:rPr lang="en-IN" smtClean="0"/>
-              <a:t>27-01-2021</a:t>
+              <a:t>01-02-2021</a:t>
             </a:fld>
             <a:endParaRPr lang="en-IN" dirty="0"/>
           </a:p>
@@ -24564,7 +24564,7 @@
           <a:p>
             <a:fld id="{CCB236BB-53DE-4462-8C4F-7698E6995948}" type="datetimeFigureOut">
               <a:rPr lang="en-IN" smtClean="0"/>
-              <a:t>27-01-2021</a:t>
+              <a:t>01-02-2021</a:t>
             </a:fld>
             <a:endParaRPr lang="en-IN" dirty="0"/>
           </a:p>
@@ -24764,7 +24764,7 @@
           <a:p>
             <a:fld id="{CCB236BB-53DE-4462-8C4F-7698E6995948}" type="datetimeFigureOut">
               <a:rPr lang="en-IN" smtClean="0"/>
-              <a:t>27-01-2021</a:t>
+              <a:t>01-02-2021</a:t>
             </a:fld>
             <a:endParaRPr lang="en-IN" dirty="0"/>
           </a:p>
@@ -25040,7 +25040,7 @@
           <a:p>
             <a:fld id="{CCB236BB-53DE-4462-8C4F-7698E6995948}" type="datetimeFigureOut">
               <a:rPr lang="en-IN" smtClean="0"/>
-              <a:t>27-01-2021</a:t>
+              <a:t>01-02-2021</a:t>
             </a:fld>
             <a:endParaRPr lang="en-IN" dirty="0"/>
           </a:p>
@@ -25308,7 +25308,7 @@
           <a:p>
             <a:fld id="{CCB236BB-53DE-4462-8C4F-7698E6995948}" type="datetimeFigureOut">
               <a:rPr lang="en-IN" smtClean="0"/>
-              <a:t>27-01-2021</a:t>
+              <a:t>01-02-2021</a:t>
             </a:fld>
             <a:endParaRPr lang="en-IN" dirty="0"/>
           </a:p>
@@ -25723,7 +25723,7 @@
           <a:p>
             <a:fld id="{CCB236BB-53DE-4462-8C4F-7698E6995948}" type="datetimeFigureOut">
               <a:rPr lang="en-IN" smtClean="0"/>
-              <a:t>27-01-2021</a:t>
+              <a:t>01-02-2021</a:t>
             </a:fld>
             <a:endParaRPr lang="en-IN" dirty="0"/>
           </a:p>
@@ -25865,7 +25865,7 @@
           <a:p>
             <a:fld id="{CCB236BB-53DE-4462-8C4F-7698E6995948}" type="datetimeFigureOut">
               <a:rPr lang="en-IN" smtClean="0"/>
-              <a:t>27-01-2021</a:t>
+              <a:t>01-02-2021</a:t>
             </a:fld>
             <a:endParaRPr lang="en-IN" dirty="0"/>
           </a:p>
@@ -25978,7 +25978,7 @@
           <a:p>
             <a:fld id="{CCB236BB-53DE-4462-8C4F-7698E6995948}" type="datetimeFigureOut">
               <a:rPr lang="en-IN" smtClean="0"/>
-              <a:t>27-01-2021</a:t>
+              <a:t>01-02-2021</a:t>
             </a:fld>
             <a:endParaRPr lang="en-IN" dirty="0"/>
           </a:p>
@@ -26291,7 +26291,7 @@
           <a:p>
             <a:fld id="{CCB236BB-53DE-4462-8C4F-7698E6995948}" type="datetimeFigureOut">
               <a:rPr lang="en-IN" smtClean="0"/>
-              <a:t>27-01-2021</a:t>
+              <a:t>01-02-2021</a:t>
             </a:fld>
             <a:endParaRPr lang="en-IN" dirty="0"/>
           </a:p>
@@ -26580,7 +26580,7 @@
           <a:p>
             <a:fld id="{CCB236BB-53DE-4462-8C4F-7698E6995948}" type="datetimeFigureOut">
               <a:rPr lang="en-IN" smtClean="0"/>
-              <a:t>27-01-2021</a:t>
+              <a:t>01-02-2021</a:t>
             </a:fld>
             <a:endParaRPr lang="en-IN" dirty="0"/>
           </a:p>
@@ -26826,7 +26826,7 @@
           <a:p>
             <a:fld id="{CCB236BB-53DE-4462-8C4F-7698E6995948}" type="datetimeFigureOut">
               <a:rPr lang="en-IN" smtClean="0"/>
-              <a:t>27-01-2021</a:t>
+              <a:t>01-02-2021</a:t>
             </a:fld>
             <a:endParaRPr lang="en-IN" dirty="0"/>
           </a:p>
@@ -27301,7 +27301,7 @@
           <p:cNvPr id="4" name="TextBox 3">
             <a:extLst>
               <a:ext uri="{FF2B5EF4-FFF2-40B4-BE49-F238E27FC236}">
-                <a16:creationId xmlns:a16="http://schemas.microsoft.com/office/drawing/2014/main" id="{46FF4F6F-8585-430A-B862-896C86EC70B6}"/>
+                <a16:creationId xmlns:a16="http://schemas.microsoft.com/office/drawing/2014/main" id="{C3B948AC-B52C-4959-A3FF-2ABF50F59309}"/>
               </a:ext>
             </a:extLst>
           </p:cNvPr>
@@ -27310,7 +27310,7 @@
         </p:nvSpPr>
         <p:spPr>
           <a:xfrm>
-            <a:off x="0" y="5401917"/>
+            <a:off x="0" y="5401918"/>
             <a:ext cx="12192000" cy="1446550"/>
           </a:xfrm>
           <a:prstGeom prst="rect">
@@ -27481,7 +27481,7 @@
           <p:cNvPr id="4" name="TextBox 3">
             <a:extLst>
               <a:ext uri="{FF2B5EF4-FFF2-40B4-BE49-F238E27FC236}">
-                <a16:creationId xmlns:a16="http://schemas.microsoft.com/office/drawing/2014/main" id="{FBD4B5E3-C8A1-4371-8CBB-09F378C4E283}"/>
+                <a16:creationId xmlns:a16="http://schemas.microsoft.com/office/drawing/2014/main" id="{8ACE9054-E6E5-43E8-ADE9-BE64284EAB81}"/>
               </a:ext>
             </a:extLst>
           </p:cNvPr>
@@ -27490,7 +27490,7 @@
         </p:nvSpPr>
         <p:spPr>
           <a:xfrm>
-            <a:off x="0" y="5402473"/>
+            <a:off x="0" y="5402472"/>
             <a:ext cx="12192000" cy="1446550"/>
           </a:xfrm>
           <a:prstGeom prst="rect">
@@ -27646,7 +27646,7 @@
           <p:cNvPr id="4" name="TextBox 3">
             <a:extLst>
               <a:ext uri="{FF2B5EF4-FFF2-40B4-BE49-F238E27FC236}">
-                <a16:creationId xmlns:a16="http://schemas.microsoft.com/office/drawing/2014/main" id="{0B1A670F-1F9D-4D95-97A6-AAC370F3DE46}"/>
+                <a16:creationId xmlns:a16="http://schemas.microsoft.com/office/drawing/2014/main" id="{377D2B02-217A-477F-8DC1-9C137C4B94EE}"/>
               </a:ext>
             </a:extLst>
           </p:cNvPr>
@@ -27655,7 +27655,7 @@
         </p:nvSpPr>
         <p:spPr>
           <a:xfrm>
-            <a:off x="0" y="5402474"/>
+            <a:off x="0" y="5402469"/>
             <a:ext cx="12192000" cy="1446550"/>
           </a:xfrm>
           <a:prstGeom prst="rect">
@@ -27806,7 +27806,7 @@
           <p:cNvPr id="4" name="TextBox 3">
             <a:extLst>
               <a:ext uri="{FF2B5EF4-FFF2-40B4-BE49-F238E27FC236}">
-                <a16:creationId xmlns:a16="http://schemas.microsoft.com/office/drawing/2014/main" id="{FA2A2CFA-C770-430E-8443-B1E1106B2A40}"/>
+                <a16:creationId xmlns:a16="http://schemas.microsoft.com/office/drawing/2014/main" id="{C2D07BAC-A591-4697-9368-C8E4C481A1C5}"/>
               </a:ext>
             </a:extLst>
           </p:cNvPr>
@@ -27815,7 +27815,7 @@
         </p:nvSpPr>
         <p:spPr>
           <a:xfrm>
-            <a:off x="0" y="5402474"/>
+            <a:off x="0" y="5402476"/>
             <a:ext cx="12192000" cy="1446550"/>
           </a:xfrm>
           <a:prstGeom prst="rect">
@@ -27982,7 +27982,7 @@
           <p:cNvPr id="4" name="TextBox 3">
             <a:extLst>
               <a:ext uri="{FF2B5EF4-FFF2-40B4-BE49-F238E27FC236}">
-                <a16:creationId xmlns:a16="http://schemas.microsoft.com/office/drawing/2014/main" id="{F9325EEA-D2D1-4BDE-A552-FE23657B0578}"/>
+                <a16:creationId xmlns:a16="http://schemas.microsoft.com/office/drawing/2014/main" id="{E4B8E3C3-5999-4DB6-BCC6-B00194F45632}"/>
               </a:ext>
             </a:extLst>
           </p:cNvPr>
@@ -27991,7 +27991,7 @@
         </p:nvSpPr>
         <p:spPr>
           <a:xfrm>
-            <a:off x="0" y="5402469"/>
+            <a:off x="0" y="5402473"/>
             <a:ext cx="12192000" cy="1446550"/>
           </a:xfrm>
           <a:prstGeom prst="rect">
@@ -28163,7 +28163,7 @@
           <p:cNvPr id="4" name="TextBox 3">
             <a:extLst>
               <a:ext uri="{FF2B5EF4-FFF2-40B4-BE49-F238E27FC236}">
-                <a16:creationId xmlns:a16="http://schemas.microsoft.com/office/drawing/2014/main" id="{A7493C36-E821-47C9-BC0D-0ACFD7DA0D37}"/>
+                <a16:creationId xmlns:a16="http://schemas.microsoft.com/office/drawing/2014/main" id="{7E613A1A-7174-412B-BB30-F01ADEFC38EB}"/>
               </a:ext>
             </a:extLst>
           </p:cNvPr>
@@ -28172,8 +28172,8 @@
         </p:nvSpPr>
         <p:spPr>
           <a:xfrm>
-            <a:off x="0" y="5402471"/>
-            <a:ext cx="12192000" cy="1446550"/>
+            <a:off x="-1" y="5402471"/>
+            <a:ext cx="12191999" cy="1446550"/>
           </a:xfrm>
           <a:prstGeom prst="rect">
             <a:avLst/>
@@ -28367,7 +28367,7 @@
           <p:cNvPr id="4" name="TextBox 3">
             <a:extLst>
               <a:ext uri="{FF2B5EF4-FFF2-40B4-BE49-F238E27FC236}">
-                <a16:creationId xmlns:a16="http://schemas.microsoft.com/office/drawing/2014/main" id="{43151D40-E625-4CF2-A5B3-A47175BF44A8}"/>
+                <a16:creationId xmlns:a16="http://schemas.microsoft.com/office/drawing/2014/main" id="{646B72CB-5CB8-4C01-8643-3F4CD5CF4B0C}"/>
               </a:ext>
             </a:extLst>
           </p:cNvPr>
@@ -28544,7 +28544,7 @@
           <p:cNvPr id="4" name="TextBox 3">
             <a:extLst>
               <a:ext uri="{FF2B5EF4-FFF2-40B4-BE49-F238E27FC236}">
-                <a16:creationId xmlns:a16="http://schemas.microsoft.com/office/drawing/2014/main" id="{EB71977E-51B9-4C13-9446-2AA0C0FEE105}"/>
+                <a16:creationId xmlns:a16="http://schemas.microsoft.com/office/drawing/2014/main" id="{413330A2-F687-4887-8790-E9FB9977A12B}"/>
               </a:ext>
             </a:extLst>
           </p:cNvPr>
@@ -28553,7 +28553,7 @@
         </p:nvSpPr>
         <p:spPr>
           <a:xfrm>
-            <a:off x="0" y="5402471"/>
+            <a:off x="0" y="5402473"/>
             <a:ext cx="12192000" cy="1446550"/>
           </a:xfrm>
           <a:prstGeom prst="rect">
@@ -28717,7 +28717,7 @@
           <p:cNvPr id="4" name="TextBox 3">
             <a:extLst>
               <a:ext uri="{FF2B5EF4-FFF2-40B4-BE49-F238E27FC236}">
-                <a16:creationId xmlns:a16="http://schemas.microsoft.com/office/drawing/2014/main" id="{5C3D6951-4EDC-4DE7-9DAA-FC51CDB2997F}"/>
+                <a16:creationId xmlns:a16="http://schemas.microsoft.com/office/drawing/2014/main" id="{8C62408E-56D0-4CA1-8D02-8B324BE86479}"/>
               </a:ext>
             </a:extLst>
           </p:cNvPr>
@@ -28726,7 +28726,7 @@
         </p:nvSpPr>
         <p:spPr>
           <a:xfrm>
-            <a:off x="0" y="5402473"/>
+            <a:off x="0" y="5402475"/>
             <a:ext cx="12192000" cy="1446550"/>
           </a:xfrm>
           <a:prstGeom prst="rect">
@@ -28889,7 +28889,7 @@
           <p:cNvPr id="4" name="TextBox 3">
             <a:extLst>
               <a:ext uri="{FF2B5EF4-FFF2-40B4-BE49-F238E27FC236}">
-                <a16:creationId xmlns:a16="http://schemas.microsoft.com/office/drawing/2014/main" id="{AA4D291E-2573-4234-A01C-32FFCC02E9D5}"/>
+                <a16:creationId xmlns:a16="http://schemas.microsoft.com/office/drawing/2014/main" id="{7978C4A8-D7A9-4425-A603-76ABD84C1C88}"/>
               </a:ext>
             </a:extLst>
           </p:cNvPr>
@@ -28898,8 +28898,8 @@
         </p:nvSpPr>
         <p:spPr>
           <a:xfrm>
-            <a:off x="-1" y="5402473"/>
-            <a:ext cx="12191999" cy="1446550"/>
+            <a:off x="0" y="5402474"/>
+            <a:ext cx="12192000" cy="1446550"/>
           </a:xfrm>
           <a:prstGeom prst="rect">
             <a:avLst/>
